--- a/Collections.pptx
+++ b/Collections.pptx
@@ -1507,7 +1507,7 @@
               <a:pPr>
                 <a:defRPr/>
               </a:pPr>
-              <a:t>14/05/2020</a:t>
+              <a:t>18/05/2020</a:t>
             </a:fld>
             <a:endParaRPr lang="en-GB"/>
           </a:p>
@@ -12411,7 +12411,7 @@
             </a:r>
             <a:r>
               <a:rPr lang="en-US" dirty="0" err="1" smtClean="0"/>
-              <a:t>Yullia</a:t>
+              <a:t>Yuliia</a:t>
             </a:r>
             <a:r>
               <a:rPr lang="en-US" dirty="0" smtClean="0"/>
@@ -34775,20 +34775,20 @@
 </file>
 
 <file path=customXml/item1.xml><?xml version="1.0" encoding="utf-8"?>
-<p:properties xmlns:p="http://schemas.microsoft.com/office/2006/metadata/properties" xmlns:xsi="http://www.w3.org/2001/XMLSchema-instance" xmlns:pc="http://schemas.microsoft.com/office/infopath/2007/PartnerControls">
-  <documentManagement>
-    <_x041a__x043e__x043c__x0435__x0442__x0430__x0440_ xmlns="835f28f2-30f1-4728-84d2-86d96e143488" xsi:nil="true"/>
-  </documentManagement>
-</p:properties>
-</file>
-
-<file path=customXml/item2.xml><?xml version="1.0" encoding="utf-8"?>
 <?mso-contentType ?>
 <FormTemplates xmlns="http://schemas.microsoft.com/sharepoint/v3/contenttype/forms">
   <Display>DocumentLibraryForm</Display>
   <Edit>DocumentLibraryForm</Edit>
   <New>DocumentLibraryForm</New>
 </FormTemplates>
+</file>
+
+<file path=customXml/item2.xml><?xml version="1.0" encoding="utf-8"?>
+<p:properties xmlns:p="http://schemas.microsoft.com/office/2006/metadata/properties" xmlns:xsi="http://www.w3.org/2001/XMLSchema-instance" xmlns:pc="http://schemas.microsoft.com/office/infopath/2007/PartnerControls">
+  <documentManagement>
+    <_x041a__x043e__x043c__x0435__x0442__x0430__x0440_ xmlns="835f28f2-30f1-4728-84d2-86d96e143488" xsi:nil="true"/>
+  </documentManagement>
+</p:properties>
 </file>
 
 <file path=customXml/item3.xml><?xml version="1.0" encoding="utf-8"?>
@@ -35017,6 +35017,14 @@
 </file>
 
 <file path=customXml/itemProps1.xml><?xml version="1.0" encoding="utf-8"?>
+<ds:datastoreItem xmlns:ds="http://schemas.openxmlformats.org/officeDocument/2006/customXml" ds:itemID="{296B3B9E-03D8-4766-BF45-6129617CF026}">
+  <ds:schemaRefs>
+    <ds:schemaRef ds:uri="http://schemas.microsoft.com/sharepoint/v3/contenttype/forms"/>
+  </ds:schemaRefs>
+</ds:datastoreItem>
+</file>
+
+<file path=customXml/itemProps2.xml><?xml version="1.0" encoding="utf-8"?>
 <ds:datastoreItem xmlns:ds="http://schemas.openxmlformats.org/officeDocument/2006/customXml" ds:itemID="{E9033E08-7FE9-4F6D-B155-A8777B4A5A57}">
   <ds:schemaRefs>
     <ds:schemaRef ds:uri="http://purl.org/dc/terms/"/>
@@ -35029,14 +35037,6 @@
     <ds:schemaRef ds:uri="341e6018-ac0a-4dfb-8409-db9e0d25502e"/>
     <ds:schemaRef ds:uri="http://www.w3.org/XML/1998/namespace"/>
     <ds:schemaRef ds:uri="http://purl.org/dc/dcmitype/"/>
-  </ds:schemaRefs>
-</ds:datastoreItem>
-</file>
-
-<file path=customXml/itemProps2.xml><?xml version="1.0" encoding="utf-8"?>
-<ds:datastoreItem xmlns:ds="http://schemas.openxmlformats.org/officeDocument/2006/customXml" ds:itemID="{296B3B9E-03D8-4766-BF45-6129617CF026}">
-  <ds:schemaRefs>
-    <ds:schemaRef ds:uri="http://schemas.microsoft.com/sharepoint/v3/contenttype/forms"/>
   </ds:schemaRefs>
 </ds:datastoreItem>
 </file>
